--- a/Visual_Assets/Notebook_headers/Headers.pptx
+++ b/Visual_Assets/Notebook_headers/Headers.pptx
@@ -6,13 +6,14 @@
   </p:sldMasterIdLst>
   <p:sldIdLst>
     <p:sldId id="266" r:id="rId2"/>
-    <p:sldId id="260" r:id="rId3"/>
-    <p:sldId id="261" r:id="rId4"/>
-    <p:sldId id="262" r:id="rId5"/>
-    <p:sldId id="263" r:id="rId6"/>
-    <p:sldId id="264" r:id="rId7"/>
-    <p:sldId id="267" r:id="rId8"/>
-    <p:sldId id="265" r:id="rId9"/>
+    <p:sldId id="268" r:id="rId3"/>
+    <p:sldId id="260" r:id="rId4"/>
+    <p:sldId id="261" r:id="rId5"/>
+    <p:sldId id="262" r:id="rId6"/>
+    <p:sldId id="263" r:id="rId7"/>
+    <p:sldId id="264" r:id="rId8"/>
+    <p:sldId id="267" r:id="rId9"/>
+    <p:sldId id="265" r:id="rId10"/>
   </p:sldIdLst>
   <p:sldSz cx="9144000" cy="5715000" type="screen16x10"/>
   <p:notesSz cx="6858000" cy="9144000"/>
@@ -295,7 +296,7 @@
           <a:p>
             <a:fld id="{AE4822F0-C44D-7B41-B92B-7C5FD67230CE}" type="datetimeFigureOut">
               <a:rPr lang="en-US" smtClean="0"/>
-              <a:t>31/01/19</a:t>
+              <a:t>04/02/19</a:t>
             </a:fld>
             <a:endParaRPr lang="en-US"/>
           </a:p>
@@ -465,7 +466,7 @@
           <a:p>
             <a:fld id="{AE4822F0-C44D-7B41-B92B-7C5FD67230CE}" type="datetimeFigureOut">
               <a:rPr lang="en-US" smtClean="0"/>
-              <a:t>31/01/19</a:t>
+              <a:t>04/02/19</a:t>
             </a:fld>
             <a:endParaRPr lang="en-US"/>
           </a:p>
@@ -645,7 +646,7 @@
           <a:p>
             <a:fld id="{AE4822F0-C44D-7B41-B92B-7C5FD67230CE}" type="datetimeFigureOut">
               <a:rPr lang="en-US" smtClean="0"/>
-              <a:t>31/01/19</a:t>
+              <a:t>04/02/19</a:t>
             </a:fld>
             <a:endParaRPr lang="en-US"/>
           </a:p>
@@ -815,7 +816,7 @@
           <a:p>
             <a:fld id="{AE4822F0-C44D-7B41-B92B-7C5FD67230CE}" type="datetimeFigureOut">
               <a:rPr lang="en-US" smtClean="0"/>
-              <a:t>31/01/19</a:t>
+              <a:t>04/02/19</a:t>
             </a:fld>
             <a:endParaRPr lang="en-US"/>
           </a:p>
@@ -1061,7 +1062,7 @@
           <a:p>
             <a:fld id="{AE4822F0-C44D-7B41-B92B-7C5FD67230CE}" type="datetimeFigureOut">
               <a:rPr lang="en-US" smtClean="0"/>
-              <a:t>31/01/19</a:t>
+              <a:t>04/02/19</a:t>
             </a:fld>
             <a:endParaRPr lang="en-US"/>
           </a:p>
@@ -1349,7 +1350,7 @@
           <a:p>
             <a:fld id="{AE4822F0-C44D-7B41-B92B-7C5FD67230CE}" type="datetimeFigureOut">
               <a:rPr lang="en-US" smtClean="0"/>
-              <a:t>31/01/19</a:t>
+              <a:t>04/02/19</a:t>
             </a:fld>
             <a:endParaRPr lang="en-US"/>
           </a:p>
@@ -1771,7 +1772,7 @@
           <a:p>
             <a:fld id="{AE4822F0-C44D-7B41-B92B-7C5FD67230CE}" type="datetimeFigureOut">
               <a:rPr lang="en-US" smtClean="0"/>
-              <a:t>31/01/19</a:t>
+              <a:t>04/02/19</a:t>
             </a:fld>
             <a:endParaRPr lang="en-US"/>
           </a:p>
@@ -1889,7 +1890,7 @@
           <a:p>
             <a:fld id="{AE4822F0-C44D-7B41-B92B-7C5FD67230CE}" type="datetimeFigureOut">
               <a:rPr lang="en-US" smtClean="0"/>
-              <a:t>31/01/19</a:t>
+              <a:t>04/02/19</a:t>
             </a:fld>
             <a:endParaRPr lang="en-US"/>
           </a:p>
@@ -1984,7 +1985,7 @@
           <a:p>
             <a:fld id="{AE4822F0-C44D-7B41-B92B-7C5FD67230CE}" type="datetimeFigureOut">
               <a:rPr lang="en-US" smtClean="0"/>
-              <a:t>31/01/19</a:t>
+              <a:t>04/02/19</a:t>
             </a:fld>
             <a:endParaRPr lang="en-US"/>
           </a:p>
@@ -2261,7 +2262,7 @@
           <a:p>
             <a:fld id="{AE4822F0-C44D-7B41-B92B-7C5FD67230CE}" type="datetimeFigureOut">
               <a:rPr lang="en-US" smtClean="0"/>
-              <a:t>31/01/19</a:t>
+              <a:t>04/02/19</a:t>
             </a:fld>
             <a:endParaRPr lang="en-US"/>
           </a:p>
@@ -2514,7 +2515,7 @@
           <a:p>
             <a:fld id="{AE4822F0-C44D-7B41-B92B-7C5FD67230CE}" type="datetimeFigureOut">
               <a:rPr lang="en-US" smtClean="0"/>
-              <a:t>31/01/19</a:t>
+              <a:t>04/02/19</a:t>
             </a:fld>
             <a:endParaRPr lang="en-US"/>
           </a:p>
@@ -2727,7 +2728,7 @@
           <a:p>
             <a:fld id="{AE4822F0-C44D-7B41-B92B-7C5FD67230CE}" type="datetimeFigureOut">
               <a:rPr lang="en-US" smtClean="0"/>
-              <a:t>31/01/19</a:t>
+              <a:t>04/02/19</a:t>
             </a:fld>
             <a:endParaRPr lang="en-US"/>
           </a:p>
@@ -3243,6 +3244,178 @@
             </a:p>
           </p:txBody>
         </p:sp>
+      </p:grpSp>
+    </p:spTree>
+    <p:extLst>
+      <p:ext uri="{BB962C8B-B14F-4D97-AF65-F5344CB8AC3E}">
+        <p14:creationId xmlns:p14="http://schemas.microsoft.com/office/powerpoint/2010/main" val="3524455002"/>
+      </p:ext>
+    </p:extLst>
+  </p:cSld>
+  <p:clrMapOvr>
+    <a:masterClrMapping/>
+  </p:clrMapOvr>
+</p:sld>
+</file>
+
+<file path=ppt/slides/slide2.xml><?xml version="1.0" encoding="utf-8"?>
+<p:sld xmlns:a="http://schemas.openxmlformats.org/drawingml/2006/main" xmlns:r="http://schemas.openxmlformats.org/officeDocument/2006/relationships" xmlns:p="http://schemas.openxmlformats.org/presentationml/2006/main">
+  <p:cSld>
+    <p:spTree>
+      <p:nvGrpSpPr>
+        <p:cNvPr id="1" name=""/>
+        <p:cNvGrpSpPr/>
+        <p:nvPr/>
+      </p:nvGrpSpPr>
+      <p:grpSpPr>
+        <a:xfrm>
+          <a:off x="0" y="0"/>
+          <a:ext cx="0" cy="0"/>
+          <a:chOff x="0" y="0"/>
+          <a:chExt cx="0" cy="0"/>
+        </a:xfrm>
+      </p:grpSpPr>
+      <p:grpSp>
+        <p:nvGrpSpPr>
+          <p:cNvPr id="2" name="Group 1"/>
+          <p:cNvGrpSpPr/>
+          <p:nvPr/>
+        </p:nvGrpSpPr>
+        <p:grpSpPr>
+          <a:xfrm>
+            <a:off x="0" y="746490"/>
+            <a:ext cx="9144000" cy="3405834"/>
+            <a:chOff x="0" y="746490"/>
+            <a:chExt cx="9144000" cy="3405834"/>
+          </a:xfrm>
+        </p:grpSpPr>
+        <p:pic>
+          <p:nvPicPr>
+            <p:cNvPr id="5" name="Picture 4" descr="facebook_brands.jpg"/>
+            <p:cNvPicPr>
+              <a:picLocks noChangeAspect="1"/>
+            </p:cNvPicPr>
+            <p:nvPr/>
+          </p:nvPicPr>
+          <p:blipFill rotWithShape="1">
+            <a:blip r:embed="rId2">
+              <a:extLst>
+                <a:ext uri="{28A0092B-C50C-407E-A947-70E740481C1C}">
+                  <a14:useLocalDpi xmlns:a14="http://schemas.microsoft.com/office/drawing/2010/main" val="0"/>
+                </a:ext>
+              </a:extLst>
+            </a:blip>
+            <a:srcRect t="933"/>
+            <a:stretch/>
+          </p:blipFill>
+          <p:spPr>
+            <a:xfrm>
+              <a:off x="0" y="746490"/>
+              <a:ext cx="9144000" cy="3405834"/>
+            </a:xfrm>
+            <a:prstGeom prst="rect">
+              <a:avLst/>
+            </a:prstGeom>
+          </p:spPr>
+        </p:pic>
+        <p:sp>
+          <p:nvSpPr>
+            <p:cNvPr id="7" name="TextBox 6"/>
+            <p:cNvSpPr txBox="1"/>
+            <p:nvPr/>
+          </p:nvSpPr>
+          <p:spPr>
+            <a:xfrm>
+              <a:off x="1037715" y="804660"/>
+              <a:ext cx="6291057" cy="830997"/>
+            </a:xfrm>
+            <a:prstGeom prst="rect">
+              <a:avLst/>
+            </a:prstGeom>
+            <a:noFill/>
+          </p:spPr>
+          <p:txBody>
+            <a:bodyPr wrap="square" rtlCol="0">
+              <a:spAutoFit/>
+            </a:bodyPr>
+            <a:lstStyle/>
+            <a:p>
+              <a:r>
+                <a:rPr lang="en-US" sz="2400" dirty="0" smtClean="0">
+                  <a:solidFill>
+                    <a:schemeClr val="bg1"/>
+                  </a:solidFill>
+                  <a:latin typeface="Seravek"/>
+                  <a:cs typeface="Seravek"/>
+                </a:rPr>
+                <a:t>Classifying brands on Facebook using supervised machine learning</a:t>
+              </a:r>
+              <a:endParaRPr lang="en-US" sz="2400" dirty="0">
+                <a:solidFill>
+                  <a:schemeClr val="bg1"/>
+                </a:solidFill>
+                <a:latin typeface="Seravek"/>
+                <a:cs typeface="Seravek"/>
+              </a:endParaRPr>
+            </a:p>
+          </p:txBody>
+        </p:sp>
+        <p:sp>
+          <p:nvSpPr>
+            <p:cNvPr id="8" name="TextBox 7"/>
+            <p:cNvSpPr txBox="1"/>
+            <p:nvPr/>
+          </p:nvSpPr>
+          <p:spPr>
+            <a:xfrm>
+              <a:off x="3244833" y="3444437"/>
+              <a:ext cx="5128199" cy="430887"/>
+            </a:xfrm>
+            <a:prstGeom prst="rect">
+              <a:avLst/>
+            </a:prstGeom>
+            <a:noFill/>
+          </p:spPr>
+          <p:txBody>
+            <a:bodyPr wrap="square" rtlCol="0">
+              <a:spAutoFit/>
+            </a:bodyPr>
+            <a:lstStyle/>
+            <a:p>
+              <a:pPr algn="r"/>
+              <a:r>
+                <a:rPr lang="en-US" sz="1050" dirty="0" smtClean="0">
+                  <a:solidFill>
+                    <a:schemeClr val="bg1"/>
+                  </a:solidFill>
+                  <a:latin typeface="Seravek"/>
+                  <a:cs typeface="Seravek"/>
+                </a:rPr>
+                <a:t>by Sam Ho</a:t>
+              </a:r>
+            </a:p>
+            <a:p>
+              <a:pPr algn="r"/>
+              <a:r>
+                <a:rPr lang="en-US" sz="1050" dirty="0" smtClean="0">
+                  <a:solidFill>
+                    <a:schemeClr val="bg1"/>
+                  </a:solidFill>
+                  <a:latin typeface="Seravek"/>
+                  <a:cs typeface="Seravek"/>
+                </a:rPr>
+                <a:t>sam@samho.co.uk</a:t>
+              </a:r>
+              <a:endParaRPr lang="en-US" sz="1050" dirty="0">
+                <a:solidFill>
+                  <a:schemeClr val="bg1"/>
+                </a:solidFill>
+                <a:latin typeface="Seravek"/>
+                <a:cs typeface="Seravek"/>
+              </a:endParaRPr>
+            </a:p>
+          </p:txBody>
+        </p:sp>
         <p:sp>
           <p:nvSpPr>
             <p:cNvPr id="11" name="TextBox 10"/>
@@ -3289,7 +3462,7 @@
     </p:spTree>
     <p:extLst>
       <p:ext uri="{BB962C8B-B14F-4D97-AF65-F5344CB8AC3E}">
-        <p14:creationId xmlns:p14="http://schemas.microsoft.com/office/powerpoint/2010/main" val="3524455002"/>
+        <p14:creationId xmlns:p14="http://schemas.microsoft.com/office/powerpoint/2010/main" val="2306366411"/>
       </p:ext>
     </p:extLst>
   </p:cSld>
@@ -3299,7 +3472,7 @@
 </p:sld>
 </file>
 
-<file path=ppt/slides/slide2.xml><?xml version="1.0" encoding="utf-8"?>
+<file path=ppt/slides/slide3.xml><?xml version="1.0" encoding="utf-8"?>
 <p:sld xmlns:a="http://schemas.openxmlformats.org/drawingml/2006/main" xmlns:r="http://schemas.openxmlformats.org/officeDocument/2006/relationships" xmlns:p="http://schemas.openxmlformats.org/presentationml/2006/main">
   <p:cSld>
     <p:spTree>
@@ -3516,7 +3689,7 @@
 </p:sld>
 </file>
 
-<file path=ppt/slides/slide3.xml><?xml version="1.0" encoding="utf-8"?>
+<file path=ppt/slides/slide4.xml><?xml version="1.0" encoding="utf-8"?>
 <p:sld xmlns:a="http://schemas.openxmlformats.org/drawingml/2006/main" xmlns:r="http://schemas.openxmlformats.org/officeDocument/2006/relationships" xmlns:p="http://schemas.openxmlformats.org/presentationml/2006/main">
   <p:cSld>
     <p:spTree>
@@ -3730,7 +3903,7 @@
 </p:sld>
 </file>
 
-<file path=ppt/slides/slide4.xml><?xml version="1.0" encoding="utf-8"?>
+<file path=ppt/slides/slide5.xml><?xml version="1.0" encoding="utf-8"?>
 <p:sld xmlns:a="http://schemas.openxmlformats.org/drawingml/2006/main" xmlns:r="http://schemas.openxmlformats.org/officeDocument/2006/relationships" xmlns:p="http://schemas.openxmlformats.org/presentationml/2006/main">
   <p:cSld>
     <p:spTree>
@@ -3944,7 +4117,7 @@
 </p:sld>
 </file>
 
-<file path=ppt/slides/slide5.xml><?xml version="1.0" encoding="utf-8"?>
+<file path=ppt/slides/slide6.xml><?xml version="1.0" encoding="utf-8"?>
 <p:sld xmlns:a="http://schemas.openxmlformats.org/drawingml/2006/main" xmlns:r="http://schemas.openxmlformats.org/officeDocument/2006/relationships" xmlns:p="http://schemas.openxmlformats.org/presentationml/2006/main">
   <p:cSld>
     <p:spTree>
@@ -4158,7 +4331,7 @@
 </p:sld>
 </file>
 
-<file path=ppt/slides/slide6.xml><?xml version="1.0" encoding="utf-8"?>
+<file path=ppt/slides/slide7.xml><?xml version="1.0" encoding="utf-8"?>
 <p:sld xmlns:a="http://schemas.openxmlformats.org/drawingml/2006/main" xmlns:r="http://schemas.openxmlformats.org/officeDocument/2006/relationships" xmlns:p="http://schemas.openxmlformats.org/presentationml/2006/main">
   <p:cSld>
     <p:spTree>
@@ -4372,7 +4545,7 @@
 </p:sld>
 </file>
 
-<file path=ppt/slides/slide7.xml><?xml version="1.0" encoding="utf-8"?>
+<file path=ppt/slides/slide8.xml><?xml version="1.0" encoding="utf-8"?>
 <p:sld xmlns:a="http://schemas.openxmlformats.org/drawingml/2006/main" xmlns:r="http://schemas.openxmlformats.org/officeDocument/2006/relationships" xmlns:p="http://schemas.openxmlformats.org/presentationml/2006/main">
   <p:cSld>
     <p:spTree>
@@ -4560,37 +4733,7 @@
                   <a:latin typeface="Seravek"/>
                   <a:cs typeface="Seravek"/>
                 </a:rPr>
-                <a:t>Part </a:t>
-              </a:r>
-              <a:r>
-                <a:rPr lang="en-US" sz="2000" dirty="0" smtClean="0">
-                  <a:solidFill>
-                    <a:schemeClr val="bg1"/>
-                  </a:solidFill>
-                  <a:latin typeface="Seravek"/>
-                  <a:cs typeface="Seravek"/>
-                </a:rPr>
-                <a:t>7 </a:t>
-              </a:r>
-              <a:r>
-                <a:rPr lang="en-US" sz="2000" dirty="0" smtClean="0">
-                  <a:solidFill>
-                    <a:schemeClr val="bg1"/>
-                  </a:solidFill>
-                  <a:latin typeface="Seravek"/>
-                  <a:cs typeface="Seravek"/>
-                </a:rPr>
-                <a:t>: </a:t>
-              </a:r>
-              <a:r>
-                <a:rPr lang="en-US" sz="2000" dirty="0" smtClean="0">
-                  <a:solidFill>
-                    <a:schemeClr val="bg1"/>
-                  </a:solidFill>
-                  <a:latin typeface="Seravek"/>
-                  <a:cs typeface="Seravek"/>
-                </a:rPr>
-                <a:t>Web Application</a:t>
+                <a:t>Part 7 : Web Application</a:t>
               </a:r>
               <a:endParaRPr lang="en-US" sz="2000" dirty="0">
                 <a:solidFill>
@@ -4616,7 +4759,7 @@
 </p:sld>
 </file>
 
-<file path=ppt/slides/slide8.xml><?xml version="1.0" encoding="utf-8"?>
+<file path=ppt/slides/slide9.xml><?xml version="1.0" encoding="utf-8"?>
 <p:sld xmlns:a="http://schemas.openxmlformats.org/drawingml/2006/main" xmlns:r="http://schemas.openxmlformats.org/officeDocument/2006/relationships" xmlns:p="http://schemas.openxmlformats.org/presentationml/2006/main">
   <p:cSld>
     <p:spTree>
